--- a/Project.pptx
+++ b/Project.pptx
@@ -3068,25 +3068,6 @@
           <a:chExt cx="0" cy="0"/>
         </a:xfrm>
       </p:grpSpPr>
-      <p:sp>
-        <p:nvSpPr>
-          <p:cNvPr id="2" name="Title 1"/>
-          <p:cNvSpPr>
-            <a:spLocks noGrp="1"/>
-          </p:cNvSpPr>
-          <p:nvPr>
-            <p:ph type="title"/>
-          </p:nvPr>
-        </p:nvSpPr>
-        <p:spPr/>
-        <p:txBody>
-          <a:bodyPr/>
-          <a:lstStyle/>
-          <a:p>
-            <a:endParaRPr lang="en-SG"/>
-          </a:p>
-        </p:txBody>
-      </p:sp>
       <p:pic>
         <p:nvPicPr>
           <p:cNvPr id="4" name="Content Placeholder 3"/>
@@ -3105,7 +3086,7 @@
         </p:blipFill>
         <p:spPr>
           <a:xfrm>
-            <a:off x="503006" y="1877306"/>
+            <a:off x="386628" y="522332"/>
             <a:ext cx="5267325" cy="2352675"/>
           </a:xfrm>
           <a:prstGeom prst="rect">
@@ -3121,7 +3102,7 @@
         </p:nvSpPr>
         <p:spPr>
           <a:xfrm>
-            <a:off x="3117273" y="2776451"/>
+            <a:off x="3000895" y="1421477"/>
             <a:ext cx="980902" cy="232756"/>
           </a:xfrm>
           <a:prstGeom prst="rect">
@@ -3169,7 +3150,7 @@
         </p:nvSpPr>
         <p:spPr>
           <a:xfrm>
-            <a:off x="6096000" y="2236124"/>
+            <a:off x="5727989" y="614525"/>
             <a:ext cx="2890058" cy="923330"/>
           </a:xfrm>
           <a:prstGeom prst="rect">
@@ -3186,6 +3167,109 @@
             <a:r>
               <a:rPr lang="en-SG" dirty="0" smtClean="0"/>
               <a:t>Need model in order to search for optimal t, T for given input Ca</a:t>
+            </a:r>
+            <a:endParaRPr lang="en-SG" dirty="0"/>
+          </a:p>
+        </p:txBody>
+      </p:sp>
+      <p:pic>
+        <p:nvPicPr>
+          <p:cNvPr id="3" name="Picture 2"/>
+          <p:cNvPicPr>
+            <a:picLocks noChangeAspect="1"/>
+          </p:cNvPicPr>
+          <p:nvPr/>
+        </p:nvPicPr>
+        <p:blipFill>
+          <a:blip r:embed="rId3"/>
+          <a:stretch>
+            <a:fillRect/>
+          </a:stretch>
+        </p:blipFill>
+        <p:spPr>
+          <a:xfrm>
+            <a:off x="0" y="4771506"/>
+            <a:ext cx="8905702" cy="193369"/>
+          </a:xfrm>
+          <a:prstGeom prst="rect">
+            <a:avLst/>
+          </a:prstGeom>
+        </p:spPr>
+      </p:pic>
+      <p:pic>
+        <p:nvPicPr>
+          <p:cNvPr id="7" name="Picture 6"/>
+          <p:cNvPicPr>
+            <a:picLocks noChangeAspect="1"/>
+          </p:cNvPicPr>
+          <p:nvPr/>
+        </p:nvPicPr>
+        <p:blipFill>
+          <a:blip r:embed="rId4"/>
+          <a:stretch>
+            <a:fillRect/>
+          </a:stretch>
+        </p:blipFill>
+        <p:spPr>
+          <a:xfrm>
+            <a:off x="838200" y="5248998"/>
+            <a:ext cx="7110802" cy="262340"/>
+          </a:xfrm>
+          <a:prstGeom prst="rect">
+            <a:avLst/>
+          </a:prstGeom>
+        </p:spPr>
+      </p:pic>
+      <p:sp>
+        <p:nvSpPr>
+          <p:cNvPr id="8" name="TextBox 7"/>
+          <p:cNvSpPr txBox="1"/>
+          <p:nvPr/>
+        </p:nvSpPr>
+        <p:spPr>
+          <a:xfrm>
+            <a:off x="8905702" y="4646815"/>
+            <a:ext cx="2890058" cy="923330"/>
+          </a:xfrm>
+          <a:prstGeom prst="rect">
+            <a:avLst/>
+          </a:prstGeom>
+          <a:noFill/>
+        </p:spPr>
+        <p:txBody>
+          <a:bodyPr wrap="square" rtlCol="0">
+            <a:spAutoFit/>
+          </a:bodyPr>
+          <a:lstStyle/>
+          <a:p>
+            <a:r>
+              <a:rPr lang="en-SG" dirty="0" smtClean="0"/>
+              <a:t>Good results, Target </a:t>
+            </a:r>
+            <a:r>
+              <a:rPr lang="en-SG" dirty="0" err="1" smtClean="0"/>
+              <a:t>Cb</a:t>
+            </a:r>
+            <a:r>
+              <a:rPr lang="en-SG" dirty="0" smtClean="0"/>
+              <a:t>=8</a:t>
+            </a:r>
+          </a:p>
+          <a:p>
+            <a:endParaRPr lang="en-SG" dirty="0"/>
+          </a:p>
+          <a:p>
+            <a:r>
+              <a:rPr lang="en-SG" dirty="0" smtClean="0"/>
+              <a:t>Bad results, Target </a:t>
+            </a:r>
+            <a:r>
+              <a:rPr lang="en-SG" dirty="0" err="1" smtClean="0"/>
+              <a:t>Cb</a:t>
+            </a:r>
+            <a:r>
+              <a:rPr lang="en-SG" dirty="0" smtClean="0"/>
+              <a:t>=4</a:t>
             </a:r>
             <a:endParaRPr lang="en-SG" dirty="0"/>
           </a:p>
